--- a/images/Presentasjon1.pptx
+++ b/images/Presentasjon1.pptx
@@ -109,6 +109,11 @@
       </a:defRPr>
     </a:lvl9pPr>
   </p:defaultTextStyle>
+  <p:extLst>
+    <p:ext uri="{EFAFB233-063F-42B5-8137-9DF3F51BA10A}">
+      <p15:sldGuideLst xmlns:p15="http://schemas.microsoft.com/office/powerpoint/2012/main"/>
+    </p:ext>
+  </p:extLst>
 </p:presentation>
 </file>
 
@@ -194,7 +199,7 @@
           <a:p>
             <a:fld id="{C6A8AF9D-081F-484F-8A25-8EB1689C4CFC}" type="datetimeFigureOut">
               <a:rPr lang="nb-NO" smtClean="0"/>
-              <a:t>27.08.2025</a:t>
+              <a:t>06.09.2025</a:t>
             </a:fld>
             <a:endParaRPr lang="nb-NO"/>
           </a:p>
@@ -692,7 +697,7 @@
           <a:p>
             <a:fld id="{77C3599A-5C42-4B55-AC03-56A133539D5C}" type="datetimeFigureOut">
               <a:rPr lang="nb-NO" smtClean="0"/>
-              <a:t>27.08.2025</a:t>
+              <a:t>06.09.2025</a:t>
             </a:fld>
             <a:endParaRPr lang="nb-NO"/>
           </a:p>
@@ -890,7 +895,7 @@
           <a:p>
             <a:fld id="{77C3599A-5C42-4B55-AC03-56A133539D5C}" type="datetimeFigureOut">
               <a:rPr lang="nb-NO" smtClean="0"/>
-              <a:t>27.08.2025</a:t>
+              <a:t>06.09.2025</a:t>
             </a:fld>
             <a:endParaRPr lang="nb-NO"/>
           </a:p>
@@ -1098,7 +1103,7 @@
           <a:p>
             <a:fld id="{77C3599A-5C42-4B55-AC03-56A133539D5C}" type="datetimeFigureOut">
               <a:rPr lang="nb-NO" smtClean="0"/>
-              <a:t>27.08.2025</a:t>
+              <a:t>06.09.2025</a:t>
             </a:fld>
             <a:endParaRPr lang="nb-NO"/>
           </a:p>
@@ -1296,7 +1301,7 @@
           <a:p>
             <a:fld id="{77C3599A-5C42-4B55-AC03-56A133539D5C}" type="datetimeFigureOut">
               <a:rPr lang="nb-NO" smtClean="0"/>
-              <a:t>27.08.2025</a:t>
+              <a:t>06.09.2025</a:t>
             </a:fld>
             <a:endParaRPr lang="nb-NO"/>
           </a:p>
@@ -1571,7 +1576,7 @@
           <a:p>
             <a:fld id="{77C3599A-5C42-4B55-AC03-56A133539D5C}" type="datetimeFigureOut">
               <a:rPr lang="nb-NO" smtClean="0"/>
-              <a:t>27.08.2025</a:t>
+              <a:t>06.09.2025</a:t>
             </a:fld>
             <a:endParaRPr lang="nb-NO"/>
           </a:p>
@@ -1836,7 +1841,7 @@
           <a:p>
             <a:fld id="{77C3599A-5C42-4B55-AC03-56A133539D5C}" type="datetimeFigureOut">
               <a:rPr lang="nb-NO" smtClean="0"/>
-              <a:t>27.08.2025</a:t>
+              <a:t>06.09.2025</a:t>
             </a:fld>
             <a:endParaRPr lang="nb-NO"/>
           </a:p>
@@ -2248,7 +2253,7 @@
           <a:p>
             <a:fld id="{77C3599A-5C42-4B55-AC03-56A133539D5C}" type="datetimeFigureOut">
               <a:rPr lang="nb-NO" smtClean="0"/>
-              <a:t>27.08.2025</a:t>
+              <a:t>06.09.2025</a:t>
             </a:fld>
             <a:endParaRPr lang="nb-NO"/>
           </a:p>
@@ -2389,7 +2394,7 @@
           <a:p>
             <a:fld id="{77C3599A-5C42-4B55-AC03-56A133539D5C}" type="datetimeFigureOut">
               <a:rPr lang="nb-NO" smtClean="0"/>
-              <a:t>27.08.2025</a:t>
+              <a:t>06.09.2025</a:t>
             </a:fld>
             <a:endParaRPr lang="nb-NO"/>
           </a:p>
@@ -2502,7 +2507,7 @@
           <a:p>
             <a:fld id="{77C3599A-5C42-4B55-AC03-56A133539D5C}" type="datetimeFigureOut">
               <a:rPr lang="nb-NO" smtClean="0"/>
-              <a:t>27.08.2025</a:t>
+              <a:t>06.09.2025</a:t>
             </a:fld>
             <a:endParaRPr lang="nb-NO"/>
           </a:p>
@@ -2813,7 +2818,7 @@
           <a:p>
             <a:fld id="{77C3599A-5C42-4B55-AC03-56A133539D5C}" type="datetimeFigureOut">
               <a:rPr lang="nb-NO" smtClean="0"/>
-              <a:t>27.08.2025</a:t>
+              <a:t>06.09.2025</a:t>
             </a:fld>
             <a:endParaRPr lang="nb-NO"/>
           </a:p>
@@ -3101,7 +3106,7 @@
           <a:p>
             <a:fld id="{77C3599A-5C42-4B55-AC03-56A133539D5C}" type="datetimeFigureOut">
               <a:rPr lang="nb-NO" smtClean="0"/>
-              <a:t>27.08.2025</a:t>
+              <a:t>06.09.2025</a:t>
             </a:fld>
             <a:endParaRPr lang="nb-NO"/>
           </a:p>
@@ -3342,7 +3347,7 @@
           <a:p>
             <a:fld id="{77C3599A-5C42-4B55-AC03-56A133539D5C}" type="datetimeFigureOut">
               <a:rPr lang="nb-NO" smtClean="0"/>
-              <a:t>27.08.2025</a:t>
+              <a:t>06.09.2025</a:t>
             </a:fld>
             <a:endParaRPr lang="nb-NO"/>
           </a:p>
@@ -4526,6 +4531,50 @@
           </a:p>
         </p:txBody>
       </p:sp>
+      <p:sp>
+        <p:nvSpPr>
+          <p:cNvPr id="2" name="TekstSylinder 1">
+            <a:extLst>
+              <a:ext uri="{FF2B5EF4-FFF2-40B4-BE49-F238E27FC236}">
+                <a16:creationId xmlns:a16="http://schemas.microsoft.com/office/drawing/2014/main" id="{82506E6E-D4D4-D549-E78E-BEA86E1D0577}"/>
+              </a:ext>
+            </a:extLst>
+          </p:cNvPr>
+          <p:cNvSpPr txBox="1"/>
+          <p:nvPr/>
+        </p:nvSpPr>
+        <p:spPr>
+          <a:xfrm>
+            <a:off x="3699842" y="3758561"/>
+            <a:ext cx="1272208" cy="276999"/>
+          </a:xfrm>
+          <a:prstGeom prst="rect">
+            <a:avLst/>
+          </a:prstGeom>
+          <a:noFill/>
+          <a:ln>
+            <a:solidFill>
+              <a:schemeClr val="accent1"/>
+            </a:solidFill>
+          </a:ln>
+        </p:spPr>
+        <p:txBody>
+          <a:bodyPr wrap="none" rtlCol="0">
+            <a:spAutoFit/>
+          </a:bodyPr>
+          <a:lstStyle/>
+          <a:p>
+            <a:r>
+              <a:rPr lang="nb-NO" sz="1200" dirty="0" err="1"/>
+              <a:t>Academy</a:t>
+            </a:r>
+            <a:r>
+              <a:rPr lang="nb-NO" sz="1200" dirty="0"/>
+              <a:t> training</a:t>
+            </a:r>
+          </a:p>
+        </p:txBody>
+      </p:sp>
     </p:spTree>
     <p:extLst>
       <p:ext uri="{BB962C8B-B14F-4D97-AF65-F5344CB8AC3E}">
@@ -4586,6 +4635,50 @@
           </a:prstGeom>
         </p:spPr>
       </p:pic>
+      <p:sp>
+        <p:nvSpPr>
+          <p:cNvPr id="2" name="TekstSylinder 1">
+            <a:extLst>
+              <a:ext uri="{FF2B5EF4-FFF2-40B4-BE49-F238E27FC236}">
+                <a16:creationId xmlns:a16="http://schemas.microsoft.com/office/drawing/2014/main" id="{C7E91E9C-2022-6629-2999-3F98E0AF662A}"/>
+              </a:ext>
+            </a:extLst>
+          </p:cNvPr>
+          <p:cNvSpPr txBox="1"/>
+          <p:nvPr/>
+        </p:nvSpPr>
+        <p:spPr>
+          <a:xfrm>
+            <a:off x="3725242" y="3597695"/>
+            <a:ext cx="1272208" cy="276999"/>
+          </a:xfrm>
+          <a:prstGeom prst="rect">
+            <a:avLst/>
+          </a:prstGeom>
+          <a:noFill/>
+          <a:ln>
+            <a:solidFill>
+              <a:schemeClr val="accent1"/>
+            </a:solidFill>
+          </a:ln>
+        </p:spPr>
+        <p:txBody>
+          <a:bodyPr wrap="none" rtlCol="0">
+            <a:spAutoFit/>
+          </a:bodyPr>
+          <a:lstStyle/>
+          <a:p>
+            <a:r>
+              <a:rPr lang="nb-NO" sz="1200" dirty="0" err="1"/>
+              <a:t>Academy</a:t>
+            </a:r>
+            <a:r>
+              <a:rPr lang="nb-NO" sz="1200" dirty="0"/>
+              <a:t> training</a:t>
+            </a:r>
+          </a:p>
+        </p:txBody>
+      </p:sp>
     </p:spTree>
     <p:extLst>
       <p:ext uri="{BB962C8B-B14F-4D97-AF65-F5344CB8AC3E}">
